--- a/기타/school.pptx
+++ b/기타/school.pptx
@@ -12,6 +12,8 @@
     <p:sldId id="260" r:id="rId6"/>
     <p:sldId id="261" r:id="rId7"/>
     <p:sldId id="262" r:id="rId8"/>
+    <p:sldId id="263" r:id="rId9"/>
+    <p:sldId id="264" r:id="rId10"/>
   </p:sldIdLst>
   <p:sldSz cx="12192000" cy="6858000"/>
   <p:notesSz cx="6858000" cy="9144000"/>
@@ -265,7 +267,7 @@
           <a:p>
             <a:fld id="{887807C2-A9B5-4747-BAAF-7CC311E57FBA}" type="datetimeFigureOut">
               <a:rPr lang="ko-KR" altLang="en-US" smtClean="0"/>
-              <a:t>2025-05-20</a:t>
+              <a:t>2025-06-02</a:t>
             </a:fld>
             <a:endParaRPr lang="ko-KR" altLang="en-US"/>
           </a:p>
@@ -463,7 +465,7 @@
           <a:p>
             <a:fld id="{887807C2-A9B5-4747-BAAF-7CC311E57FBA}" type="datetimeFigureOut">
               <a:rPr lang="ko-KR" altLang="en-US" smtClean="0"/>
-              <a:t>2025-05-20</a:t>
+              <a:t>2025-06-02</a:t>
             </a:fld>
             <a:endParaRPr lang="ko-KR" altLang="en-US"/>
           </a:p>
@@ -671,7 +673,7 @@
           <a:p>
             <a:fld id="{887807C2-A9B5-4747-BAAF-7CC311E57FBA}" type="datetimeFigureOut">
               <a:rPr lang="ko-KR" altLang="en-US" smtClean="0"/>
-              <a:t>2025-05-20</a:t>
+              <a:t>2025-06-02</a:t>
             </a:fld>
             <a:endParaRPr lang="ko-KR" altLang="en-US"/>
           </a:p>
@@ -869,7 +871,7 @@
           <a:p>
             <a:fld id="{887807C2-A9B5-4747-BAAF-7CC311E57FBA}" type="datetimeFigureOut">
               <a:rPr lang="ko-KR" altLang="en-US" smtClean="0"/>
-              <a:t>2025-05-20</a:t>
+              <a:t>2025-06-02</a:t>
             </a:fld>
             <a:endParaRPr lang="ko-KR" altLang="en-US"/>
           </a:p>
@@ -1144,7 +1146,7 @@
           <a:p>
             <a:fld id="{887807C2-A9B5-4747-BAAF-7CC311E57FBA}" type="datetimeFigureOut">
               <a:rPr lang="ko-KR" altLang="en-US" smtClean="0"/>
-              <a:t>2025-05-20</a:t>
+              <a:t>2025-06-02</a:t>
             </a:fld>
             <a:endParaRPr lang="ko-KR" altLang="en-US"/>
           </a:p>
@@ -1409,7 +1411,7 @@
           <a:p>
             <a:fld id="{887807C2-A9B5-4747-BAAF-7CC311E57FBA}" type="datetimeFigureOut">
               <a:rPr lang="ko-KR" altLang="en-US" smtClean="0"/>
-              <a:t>2025-05-20</a:t>
+              <a:t>2025-06-02</a:t>
             </a:fld>
             <a:endParaRPr lang="ko-KR" altLang="en-US"/>
           </a:p>
@@ -1821,7 +1823,7 @@
           <a:p>
             <a:fld id="{887807C2-A9B5-4747-BAAF-7CC311E57FBA}" type="datetimeFigureOut">
               <a:rPr lang="ko-KR" altLang="en-US" smtClean="0"/>
-              <a:t>2025-05-20</a:t>
+              <a:t>2025-06-02</a:t>
             </a:fld>
             <a:endParaRPr lang="ko-KR" altLang="en-US"/>
           </a:p>
@@ -1962,7 +1964,7 @@
           <a:p>
             <a:fld id="{887807C2-A9B5-4747-BAAF-7CC311E57FBA}" type="datetimeFigureOut">
               <a:rPr lang="ko-KR" altLang="en-US" smtClean="0"/>
-              <a:t>2025-05-20</a:t>
+              <a:t>2025-06-02</a:t>
             </a:fld>
             <a:endParaRPr lang="ko-KR" altLang="en-US"/>
           </a:p>
@@ -2075,7 +2077,7 @@
           <a:p>
             <a:fld id="{887807C2-A9B5-4747-BAAF-7CC311E57FBA}" type="datetimeFigureOut">
               <a:rPr lang="ko-KR" altLang="en-US" smtClean="0"/>
-              <a:t>2025-05-20</a:t>
+              <a:t>2025-06-02</a:t>
             </a:fld>
             <a:endParaRPr lang="ko-KR" altLang="en-US"/>
           </a:p>
@@ -2386,7 +2388,7 @@
           <a:p>
             <a:fld id="{887807C2-A9B5-4747-BAAF-7CC311E57FBA}" type="datetimeFigureOut">
               <a:rPr lang="ko-KR" altLang="en-US" smtClean="0"/>
-              <a:t>2025-05-20</a:t>
+              <a:t>2025-06-02</a:t>
             </a:fld>
             <a:endParaRPr lang="ko-KR" altLang="en-US"/>
           </a:p>
@@ -2674,7 +2676,7 @@
           <a:p>
             <a:fld id="{887807C2-A9B5-4747-BAAF-7CC311E57FBA}" type="datetimeFigureOut">
               <a:rPr lang="ko-KR" altLang="en-US" smtClean="0"/>
-              <a:t>2025-05-20</a:t>
+              <a:t>2025-06-02</a:t>
             </a:fld>
             <a:endParaRPr lang="ko-KR" altLang="en-US"/>
           </a:p>
@@ -2915,7 +2917,7 @@
           <a:p>
             <a:fld id="{887807C2-A9B5-4747-BAAF-7CC311E57FBA}" type="datetimeFigureOut">
               <a:rPr lang="ko-KR" altLang="en-US" smtClean="0"/>
-              <a:t>2025-05-20</a:t>
+              <a:t>2025-06-02</a:t>
             </a:fld>
             <a:endParaRPr lang="ko-KR" altLang="en-US"/>
           </a:p>
@@ -9750,6 +9752,1375 @@
 </p:sld>
 </file>
 
+<file path=ppt/slides/slide8.xml><?xml version="1.0" encoding="utf-8"?>
+<p:sld xmlns:a="http://schemas.openxmlformats.org/drawingml/2006/main" xmlns:r="http://schemas.openxmlformats.org/officeDocument/2006/relationships" xmlns:p="http://schemas.openxmlformats.org/presentationml/2006/main">
+  <p:cSld>
+    <p:spTree>
+      <p:nvGrpSpPr>
+        <p:cNvPr id="1" name="">
+          <a:extLst>
+            <a:ext uri="{FF2B5EF4-FFF2-40B4-BE49-F238E27FC236}">
+              <a16:creationId xmlns:a16="http://schemas.microsoft.com/office/drawing/2014/main" id="{83ECE95B-612C-93B8-E85A-75F39EC2D81B}"/>
+            </a:ext>
+          </a:extLst>
+        </p:cNvPr>
+        <p:cNvGrpSpPr/>
+        <p:nvPr/>
+      </p:nvGrpSpPr>
+      <p:grpSpPr>
+        <a:xfrm>
+          <a:off x="0" y="0"/>
+          <a:ext cx="0" cy="0"/>
+          <a:chOff x="0" y="0"/>
+          <a:chExt cx="0" cy="0"/>
+        </a:xfrm>
+      </p:grpSpPr>
+      <p:sp>
+        <p:nvSpPr>
+          <p:cNvPr id="27" name="TextBox 26">
+            <a:extLst>
+              <a:ext uri="{FF2B5EF4-FFF2-40B4-BE49-F238E27FC236}">
+                <a16:creationId xmlns:a16="http://schemas.microsoft.com/office/drawing/2014/main" id="{112431A8-3588-8F0F-69CC-F8DA15F4281C}"/>
+              </a:ext>
+            </a:extLst>
+          </p:cNvPr>
+          <p:cNvSpPr txBox="1"/>
+          <p:nvPr/>
+        </p:nvSpPr>
+        <p:spPr>
+          <a:xfrm>
+            <a:off x="1639455" y="471450"/>
+            <a:ext cx="974436" cy="246221"/>
+          </a:xfrm>
+          <a:prstGeom prst="rect">
+            <a:avLst/>
+          </a:prstGeom>
+          <a:solidFill>
+            <a:srgbClr val="FFFF00"/>
+          </a:solidFill>
+        </p:spPr>
+        <p:txBody>
+          <a:bodyPr wrap="square" rtlCol="0">
+            <a:spAutoFit/>
+          </a:bodyPr>
+          <a:lstStyle/>
+          <a:p>
+            <a:r>
+              <a:rPr lang="en-US" altLang="ko-KR" sz="1000" dirty="0"/>
+              <a:t>Excel </a:t>
+            </a:r>
+            <a:r>
+              <a:rPr lang="ko-KR" altLang="en-US" sz="1000" dirty="0"/>
+              <a:t>다운</a:t>
+            </a:r>
+          </a:p>
+        </p:txBody>
+      </p:sp>
+      <p:pic>
+        <p:nvPicPr>
+          <p:cNvPr id="3" name="그림 2">
+            <a:extLst>
+              <a:ext uri="{FF2B5EF4-FFF2-40B4-BE49-F238E27FC236}">
+                <a16:creationId xmlns:a16="http://schemas.microsoft.com/office/drawing/2014/main" id="{44D13C24-D703-BA85-4F7E-FB19E913D4A0}"/>
+              </a:ext>
+            </a:extLst>
+          </p:cNvPr>
+          <p:cNvPicPr>
+            <a:picLocks noChangeAspect="1"/>
+          </p:cNvPicPr>
+          <p:nvPr/>
+        </p:nvPicPr>
+        <p:blipFill>
+          <a:blip r:embed="rId2">
+            <a:extLst>
+              <a:ext uri="{28A0092B-C50C-407E-A947-70E740481C1C}">
+                <a14:useLocalDpi xmlns:a14="http://schemas.microsoft.com/office/drawing/2010/main" val="0"/>
+              </a:ext>
+            </a:extLst>
+          </a:blip>
+          <a:stretch>
+            <a:fillRect/>
+          </a:stretch>
+        </p:blipFill>
+        <p:spPr>
+          <a:xfrm>
+            <a:off x="320242" y="327146"/>
+            <a:ext cx="1114425" cy="781050"/>
+          </a:xfrm>
+          <a:prstGeom prst="rect">
+            <a:avLst/>
+          </a:prstGeom>
+        </p:spPr>
+      </p:pic>
+      <p:sp>
+        <p:nvSpPr>
+          <p:cNvPr id="9" name="TextBox 8">
+            <a:extLst>
+              <a:ext uri="{FF2B5EF4-FFF2-40B4-BE49-F238E27FC236}">
+                <a16:creationId xmlns:a16="http://schemas.microsoft.com/office/drawing/2014/main" id="{91CEB210-CF81-5ACB-D7B2-4257E098896F}"/>
+              </a:ext>
+            </a:extLst>
+          </p:cNvPr>
+          <p:cNvSpPr txBox="1"/>
+          <p:nvPr/>
+        </p:nvSpPr>
+        <p:spPr>
+          <a:xfrm>
+            <a:off x="3011055" y="471282"/>
+            <a:ext cx="1487055" cy="246221"/>
+          </a:xfrm>
+          <a:prstGeom prst="rect">
+            <a:avLst/>
+          </a:prstGeom>
+          <a:solidFill>
+            <a:srgbClr val="FFFF00"/>
+          </a:solidFill>
+        </p:spPr>
+        <p:txBody>
+          <a:bodyPr wrap="square" rtlCol="0">
+            <a:spAutoFit/>
+          </a:bodyPr>
+          <a:lstStyle/>
+          <a:p>
+            <a:r>
+              <a:rPr lang="en-US" altLang="ko-KR" sz="1000" dirty="0"/>
+              <a:t>2025-06-</a:t>
+            </a:r>
+            <a:r>
+              <a:rPr lang="ko-KR" altLang="en-US" sz="1000" dirty="0"/>
+              <a:t>발주서</a:t>
+            </a:r>
+          </a:p>
+        </p:txBody>
+      </p:sp>
+      <p:pic>
+        <p:nvPicPr>
+          <p:cNvPr id="16" name="그림 15">
+            <a:extLst>
+              <a:ext uri="{FF2B5EF4-FFF2-40B4-BE49-F238E27FC236}">
+                <a16:creationId xmlns:a16="http://schemas.microsoft.com/office/drawing/2014/main" id="{1FACD547-F32C-5F0F-4AFC-2AF7D566F491}"/>
+              </a:ext>
+            </a:extLst>
+          </p:cNvPr>
+          <p:cNvPicPr>
+            <a:picLocks noChangeAspect="1"/>
+          </p:cNvPicPr>
+          <p:nvPr/>
+        </p:nvPicPr>
+        <p:blipFill>
+          <a:blip r:embed="rId3">
+            <a:extLst>
+              <a:ext uri="{28A0092B-C50C-407E-A947-70E740481C1C}">
+                <a14:useLocalDpi xmlns:a14="http://schemas.microsoft.com/office/drawing/2010/main" val="0"/>
+              </a:ext>
+            </a:extLst>
+          </a:blip>
+          <a:srcRect l="36233" t="29001"/>
+          <a:stretch/>
+        </p:blipFill>
+        <p:spPr>
+          <a:xfrm>
+            <a:off x="2613891" y="2026134"/>
+            <a:ext cx="5223163" cy="4646865"/>
+          </a:xfrm>
+          <a:prstGeom prst="rect">
+            <a:avLst/>
+          </a:prstGeom>
+        </p:spPr>
+      </p:pic>
+      <p:pic>
+        <p:nvPicPr>
+          <p:cNvPr id="20" name="그림 19">
+            <a:extLst>
+              <a:ext uri="{FF2B5EF4-FFF2-40B4-BE49-F238E27FC236}">
+                <a16:creationId xmlns:a16="http://schemas.microsoft.com/office/drawing/2014/main" id="{B73AFB81-DD53-8018-4576-F59877A9A862}"/>
+              </a:ext>
+            </a:extLst>
+          </p:cNvPr>
+          <p:cNvPicPr>
+            <a:picLocks noChangeAspect="1"/>
+          </p:cNvPicPr>
+          <p:nvPr/>
+        </p:nvPicPr>
+        <p:blipFill>
+          <a:blip r:embed="rId4">
+            <a:extLst>
+              <a:ext uri="{28A0092B-C50C-407E-A947-70E740481C1C}">
+                <a14:useLocalDpi xmlns:a14="http://schemas.microsoft.com/office/drawing/2010/main" val="0"/>
+              </a:ext>
+            </a:extLst>
+          </a:blip>
+          <a:stretch>
+            <a:fillRect/>
+          </a:stretch>
+        </p:blipFill>
+        <p:spPr>
+          <a:xfrm>
+            <a:off x="320242" y="1150531"/>
+            <a:ext cx="10668000" cy="442743"/>
+          </a:xfrm>
+          <a:prstGeom prst="rect">
+            <a:avLst/>
+          </a:prstGeom>
+        </p:spPr>
+      </p:pic>
+      <p:sp>
+        <p:nvSpPr>
+          <p:cNvPr id="21" name="직사각형 20">
+            <a:extLst>
+              <a:ext uri="{FF2B5EF4-FFF2-40B4-BE49-F238E27FC236}">
+                <a16:creationId xmlns:a16="http://schemas.microsoft.com/office/drawing/2014/main" id="{F9FC42DD-7FE5-35FC-84D5-A3058E473612}"/>
+              </a:ext>
+            </a:extLst>
+          </p:cNvPr>
+          <p:cNvSpPr/>
+          <p:nvPr/>
+        </p:nvSpPr>
+        <p:spPr>
+          <a:xfrm>
+            <a:off x="4498110" y="3814618"/>
+            <a:ext cx="803563" cy="145874"/>
+          </a:xfrm>
+          <a:prstGeom prst="rect">
+            <a:avLst/>
+          </a:prstGeom>
+          <a:noFill/>
+          <a:ln w="9525">
+            <a:solidFill>
+              <a:srgbClr val="FF0000"/>
+            </a:solidFill>
+          </a:ln>
+        </p:spPr>
+        <p:style>
+          <a:lnRef idx="2">
+            <a:schemeClr val="accent1">
+              <a:shade val="15000"/>
+            </a:schemeClr>
+          </a:lnRef>
+          <a:fillRef idx="1">
+            <a:schemeClr val="accent1"/>
+          </a:fillRef>
+          <a:effectRef idx="0">
+            <a:schemeClr val="accent1"/>
+          </a:effectRef>
+          <a:fontRef idx="minor">
+            <a:schemeClr val="lt1"/>
+          </a:fontRef>
+        </p:style>
+        <p:txBody>
+          <a:bodyPr rtlCol="0" anchor="ctr"/>
+          <a:lstStyle/>
+          <a:p>
+            <a:pPr algn="ctr"/>
+            <a:endParaRPr lang="ko-KR" altLang="en-US"/>
+          </a:p>
+        </p:txBody>
+      </p:sp>
+      <p:cxnSp>
+        <p:nvCxnSpPr>
+          <p:cNvPr id="23" name="직선 화살표 연결선 22">
+            <a:extLst>
+              <a:ext uri="{FF2B5EF4-FFF2-40B4-BE49-F238E27FC236}">
+                <a16:creationId xmlns:a16="http://schemas.microsoft.com/office/drawing/2014/main" id="{AE0F0FC6-7896-0CC6-0A6E-3E838084406A}"/>
+              </a:ext>
+            </a:extLst>
+          </p:cNvPr>
+          <p:cNvCxnSpPr/>
+          <p:nvPr/>
+        </p:nvCxnSpPr>
+        <p:spPr>
+          <a:xfrm flipH="1" flipV="1">
+            <a:off x="803564" y="1403927"/>
+            <a:ext cx="3768436" cy="2512291"/>
+          </a:xfrm>
+          <a:prstGeom prst="straightConnector1">
+            <a:avLst/>
+          </a:prstGeom>
+          <a:ln>
+            <a:tailEnd type="triangle"/>
+          </a:ln>
+        </p:spPr>
+        <p:style>
+          <a:lnRef idx="1">
+            <a:schemeClr val="accent1"/>
+          </a:lnRef>
+          <a:fillRef idx="0">
+            <a:schemeClr val="accent1"/>
+          </a:fillRef>
+          <a:effectRef idx="0">
+            <a:schemeClr val="accent1"/>
+          </a:effectRef>
+          <a:fontRef idx="minor">
+            <a:schemeClr val="tx1"/>
+          </a:fontRef>
+        </p:style>
+      </p:cxnSp>
+      <p:sp>
+        <p:nvSpPr>
+          <p:cNvPr id="24" name="직사각형 23">
+            <a:extLst>
+              <a:ext uri="{FF2B5EF4-FFF2-40B4-BE49-F238E27FC236}">
+                <a16:creationId xmlns:a16="http://schemas.microsoft.com/office/drawing/2014/main" id="{32AC3C91-935C-7AEB-907B-A468947CE257}"/>
+              </a:ext>
+            </a:extLst>
+          </p:cNvPr>
+          <p:cNvSpPr/>
+          <p:nvPr/>
+        </p:nvSpPr>
+        <p:spPr>
+          <a:xfrm>
+            <a:off x="4498110" y="2863004"/>
+            <a:ext cx="988290" cy="166792"/>
+          </a:xfrm>
+          <a:prstGeom prst="rect">
+            <a:avLst/>
+          </a:prstGeom>
+          <a:noFill/>
+          <a:ln w="9525">
+            <a:solidFill>
+              <a:srgbClr val="FF0000"/>
+            </a:solidFill>
+          </a:ln>
+        </p:spPr>
+        <p:style>
+          <a:lnRef idx="2">
+            <a:schemeClr val="accent1">
+              <a:shade val="15000"/>
+            </a:schemeClr>
+          </a:lnRef>
+          <a:fillRef idx="1">
+            <a:schemeClr val="accent1"/>
+          </a:fillRef>
+          <a:effectRef idx="0">
+            <a:schemeClr val="accent1"/>
+          </a:effectRef>
+          <a:fontRef idx="minor">
+            <a:schemeClr val="lt1"/>
+          </a:fontRef>
+        </p:style>
+        <p:txBody>
+          <a:bodyPr rtlCol="0" anchor="ctr"/>
+          <a:lstStyle/>
+          <a:p>
+            <a:pPr algn="ctr"/>
+            <a:endParaRPr lang="ko-KR" altLang="en-US"/>
+          </a:p>
+        </p:txBody>
+      </p:sp>
+      <p:cxnSp>
+        <p:nvCxnSpPr>
+          <p:cNvPr id="33" name="직선 화살표 연결선 32">
+            <a:extLst>
+              <a:ext uri="{FF2B5EF4-FFF2-40B4-BE49-F238E27FC236}">
+                <a16:creationId xmlns:a16="http://schemas.microsoft.com/office/drawing/2014/main" id="{80C38F27-B0E4-2DA9-7152-3FF653B1E455}"/>
+              </a:ext>
+            </a:extLst>
+          </p:cNvPr>
+          <p:cNvCxnSpPr/>
+          <p:nvPr/>
+        </p:nvCxnSpPr>
+        <p:spPr>
+          <a:xfrm flipH="1" flipV="1">
+            <a:off x="3011055" y="1403927"/>
+            <a:ext cx="1560945" cy="1542473"/>
+          </a:xfrm>
+          <a:prstGeom prst="straightConnector1">
+            <a:avLst/>
+          </a:prstGeom>
+          <a:ln>
+            <a:tailEnd type="triangle"/>
+          </a:ln>
+        </p:spPr>
+        <p:style>
+          <a:lnRef idx="1">
+            <a:schemeClr val="accent1"/>
+          </a:lnRef>
+          <a:fillRef idx="0">
+            <a:schemeClr val="accent1"/>
+          </a:fillRef>
+          <a:effectRef idx="0">
+            <a:schemeClr val="accent1"/>
+          </a:effectRef>
+          <a:fontRef idx="minor">
+            <a:schemeClr val="tx1"/>
+          </a:fontRef>
+        </p:style>
+      </p:cxnSp>
+      <p:sp>
+        <p:nvSpPr>
+          <p:cNvPr id="34" name="직사각형 33">
+            <a:extLst>
+              <a:ext uri="{FF2B5EF4-FFF2-40B4-BE49-F238E27FC236}">
+                <a16:creationId xmlns:a16="http://schemas.microsoft.com/office/drawing/2014/main" id="{AC003F57-A4C2-E491-6366-4A10BE54577B}"/>
+              </a:ext>
+            </a:extLst>
+          </p:cNvPr>
+          <p:cNvSpPr/>
+          <p:nvPr/>
+        </p:nvSpPr>
+        <p:spPr>
+          <a:xfrm>
+            <a:off x="4561177" y="3331479"/>
+            <a:ext cx="988290" cy="166792"/>
+          </a:xfrm>
+          <a:prstGeom prst="rect">
+            <a:avLst/>
+          </a:prstGeom>
+          <a:noFill/>
+          <a:ln w="9525">
+            <a:solidFill>
+              <a:srgbClr val="FF0000"/>
+            </a:solidFill>
+          </a:ln>
+        </p:spPr>
+        <p:style>
+          <a:lnRef idx="2">
+            <a:schemeClr val="accent1">
+              <a:shade val="15000"/>
+            </a:schemeClr>
+          </a:lnRef>
+          <a:fillRef idx="1">
+            <a:schemeClr val="accent1"/>
+          </a:fillRef>
+          <a:effectRef idx="0">
+            <a:schemeClr val="accent1"/>
+          </a:effectRef>
+          <a:fontRef idx="minor">
+            <a:schemeClr val="lt1"/>
+          </a:fontRef>
+        </p:style>
+        <p:txBody>
+          <a:bodyPr rtlCol="0" anchor="ctr"/>
+          <a:lstStyle/>
+          <a:p>
+            <a:pPr algn="ctr"/>
+            <a:endParaRPr lang="ko-KR" altLang="en-US"/>
+          </a:p>
+        </p:txBody>
+      </p:sp>
+      <p:cxnSp>
+        <p:nvCxnSpPr>
+          <p:cNvPr id="36" name="직선 화살표 연결선 35">
+            <a:extLst>
+              <a:ext uri="{FF2B5EF4-FFF2-40B4-BE49-F238E27FC236}">
+                <a16:creationId xmlns:a16="http://schemas.microsoft.com/office/drawing/2014/main" id="{E89EFCE8-F6C2-A35E-ED5B-4F5118A8C138}"/>
+              </a:ext>
+            </a:extLst>
+          </p:cNvPr>
+          <p:cNvCxnSpPr/>
+          <p:nvPr/>
+        </p:nvCxnSpPr>
+        <p:spPr>
+          <a:xfrm flipH="1" flipV="1">
+            <a:off x="1911927" y="1403927"/>
+            <a:ext cx="2761673" cy="2025073"/>
+          </a:xfrm>
+          <a:prstGeom prst="straightConnector1">
+            <a:avLst/>
+          </a:prstGeom>
+          <a:ln>
+            <a:tailEnd type="triangle"/>
+          </a:ln>
+        </p:spPr>
+        <p:style>
+          <a:lnRef idx="1">
+            <a:schemeClr val="accent1"/>
+          </a:lnRef>
+          <a:fillRef idx="0">
+            <a:schemeClr val="accent1"/>
+          </a:fillRef>
+          <a:effectRef idx="0">
+            <a:schemeClr val="accent1"/>
+          </a:effectRef>
+          <a:fontRef idx="minor">
+            <a:schemeClr val="tx1"/>
+          </a:fontRef>
+        </p:style>
+      </p:cxnSp>
+      <p:sp>
+        <p:nvSpPr>
+          <p:cNvPr id="37" name="직사각형 36">
+            <a:extLst>
+              <a:ext uri="{FF2B5EF4-FFF2-40B4-BE49-F238E27FC236}">
+                <a16:creationId xmlns:a16="http://schemas.microsoft.com/office/drawing/2014/main" id="{BC091EC9-E6A5-8F47-2485-9FFBDC437441}"/>
+              </a:ext>
+            </a:extLst>
+          </p:cNvPr>
+          <p:cNvSpPr/>
+          <p:nvPr/>
+        </p:nvSpPr>
+        <p:spPr>
+          <a:xfrm>
+            <a:off x="4734359" y="5662239"/>
+            <a:ext cx="1195388" cy="166791"/>
+          </a:xfrm>
+          <a:prstGeom prst="rect">
+            <a:avLst/>
+          </a:prstGeom>
+          <a:noFill/>
+          <a:ln w="9525">
+            <a:solidFill>
+              <a:srgbClr val="FF0000"/>
+            </a:solidFill>
+          </a:ln>
+        </p:spPr>
+        <p:style>
+          <a:lnRef idx="2">
+            <a:schemeClr val="accent1">
+              <a:shade val="15000"/>
+            </a:schemeClr>
+          </a:lnRef>
+          <a:fillRef idx="1">
+            <a:schemeClr val="accent1"/>
+          </a:fillRef>
+          <a:effectRef idx="0">
+            <a:schemeClr val="accent1"/>
+          </a:effectRef>
+          <a:fontRef idx="minor">
+            <a:schemeClr val="lt1"/>
+          </a:fontRef>
+        </p:style>
+        <p:txBody>
+          <a:bodyPr rtlCol="0" anchor="ctr"/>
+          <a:lstStyle/>
+          <a:p>
+            <a:pPr algn="ctr"/>
+            <a:endParaRPr lang="ko-KR" altLang="en-US"/>
+          </a:p>
+        </p:txBody>
+      </p:sp>
+      <p:cxnSp>
+        <p:nvCxnSpPr>
+          <p:cNvPr id="39" name="직선 화살표 연결선 38">
+            <a:extLst>
+              <a:ext uri="{FF2B5EF4-FFF2-40B4-BE49-F238E27FC236}">
+                <a16:creationId xmlns:a16="http://schemas.microsoft.com/office/drawing/2014/main" id="{816F4394-3931-4A0C-2748-193991DB9151}"/>
+              </a:ext>
+            </a:extLst>
+          </p:cNvPr>
+          <p:cNvCxnSpPr/>
+          <p:nvPr/>
+        </p:nvCxnSpPr>
+        <p:spPr>
+          <a:xfrm flipH="1" flipV="1">
+            <a:off x="4267200" y="1403927"/>
+            <a:ext cx="563418" cy="4322618"/>
+          </a:xfrm>
+          <a:prstGeom prst="straightConnector1">
+            <a:avLst/>
+          </a:prstGeom>
+          <a:ln>
+            <a:tailEnd type="triangle"/>
+          </a:ln>
+        </p:spPr>
+        <p:style>
+          <a:lnRef idx="1">
+            <a:schemeClr val="accent1"/>
+          </a:lnRef>
+          <a:fillRef idx="0">
+            <a:schemeClr val="accent1"/>
+          </a:fillRef>
+          <a:effectRef idx="0">
+            <a:schemeClr val="accent1"/>
+          </a:effectRef>
+          <a:fontRef idx="minor">
+            <a:schemeClr val="tx1"/>
+          </a:fontRef>
+        </p:style>
+      </p:cxnSp>
+      <p:sp>
+        <p:nvSpPr>
+          <p:cNvPr id="40" name="직사각형 39">
+            <a:extLst>
+              <a:ext uri="{FF2B5EF4-FFF2-40B4-BE49-F238E27FC236}">
+                <a16:creationId xmlns:a16="http://schemas.microsoft.com/office/drawing/2014/main" id="{3BAD4B57-4F33-A7B9-0BED-A6F774E7CA39}"/>
+              </a:ext>
+            </a:extLst>
+          </p:cNvPr>
+          <p:cNvSpPr/>
+          <p:nvPr/>
+        </p:nvSpPr>
+        <p:spPr>
+          <a:xfrm>
+            <a:off x="4839853" y="5486213"/>
+            <a:ext cx="1810327" cy="145874"/>
+          </a:xfrm>
+          <a:prstGeom prst="rect">
+            <a:avLst/>
+          </a:prstGeom>
+          <a:noFill/>
+          <a:ln w="9525">
+            <a:solidFill>
+              <a:srgbClr val="FF0000"/>
+            </a:solidFill>
+          </a:ln>
+        </p:spPr>
+        <p:style>
+          <a:lnRef idx="2">
+            <a:schemeClr val="accent1">
+              <a:shade val="15000"/>
+            </a:schemeClr>
+          </a:lnRef>
+          <a:fillRef idx="1">
+            <a:schemeClr val="accent1"/>
+          </a:fillRef>
+          <a:effectRef idx="0">
+            <a:schemeClr val="accent1"/>
+          </a:effectRef>
+          <a:fontRef idx="minor">
+            <a:schemeClr val="lt1"/>
+          </a:fontRef>
+        </p:style>
+        <p:txBody>
+          <a:bodyPr rtlCol="0" anchor="ctr"/>
+          <a:lstStyle/>
+          <a:p>
+            <a:pPr algn="ctr"/>
+            <a:endParaRPr lang="ko-KR" altLang="en-US"/>
+          </a:p>
+        </p:txBody>
+      </p:sp>
+      <p:cxnSp>
+        <p:nvCxnSpPr>
+          <p:cNvPr id="42" name="직선 화살표 연결선 41">
+            <a:extLst>
+              <a:ext uri="{FF2B5EF4-FFF2-40B4-BE49-F238E27FC236}">
+                <a16:creationId xmlns:a16="http://schemas.microsoft.com/office/drawing/2014/main" id="{4D87D67E-3DE1-D1A0-7F68-FFF3775D66BE}"/>
+              </a:ext>
+            </a:extLst>
+          </p:cNvPr>
+          <p:cNvCxnSpPr/>
+          <p:nvPr/>
+        </p:nvCxnSpPr>
+        <p:spPr>
+          <a:xfrm flipV="1">
+            <a:off x="5726545" y="1403927"/>
+            <a:ext cx="64655" cy="4156364"/>
+          </a:xfrm>
+          <a:prstGeom prst="straightConnector1">
+            <a:avLst/>
+          </a:prstGeom>
+          <a:ln>
+            <a:tailEnd type="triangle"/>
+          </a:ln>
+        </p:spPr>
+        <p:style>
+          <a:lnRef idx="1">
+            <a:schemeClr val="accent1"/>
+          </a:lnRef>
+          <a:fillRef idx="0">
+            <a:schemeClr val="accent1"/>
+          </a:fillRef>
+          <a:effectRef idx="0">
+            <a:schemeClr val="accent1"/>
+          </a:effectRef>
+          <a:fontRef idx="minor">
+            <a:schemeClr val="tx1"/>
+          </a:fontRef>
+        </p:style>
+      </p:cxnSp>
+      <p:sp>
+        <p:nvSpPr>
+          <p:cNvPr id="43" name="직사각형 42">
+            <a:extLst>
+              <a:ext uri="{FF2B5EF4-FFF2-40B4-BE49-F238E27FC236}">
+                <a16:creationId xmlns:a16="http://schemas.microsoft.com/office/drawing/2014/main" id="{62F41EBC-CD7E-0572-ADD7-B8D67E0BE7E5}"/>
+              </a:ext>
+            </a:extLst>
+          </p:cNvPr>
+          <p:cNvSpPr/>
+          <p:nvPr/>
+        </p:nvSpPr>
+        <p:spPr>
+          <a:xfrm>
+            <a:off x="4886036" y="4731543"/>
+            <a:ext cx="663431" cy="145874"/>
+          </a:xfrm>
+          <a:prstGeom prst="rect">
+            <a:avLst/>
+          </a:prstGeom>
+          <a:noFill/>
+          <a:ln w="9525">
+            <a:solidFill>
+              <a:srgbClr val="FF0000"/>
+            </a:solidFill>
+          </a:ln>
+        </p:spPr>
+        <p:style>
+          <a:lnRef idx="2">
+            <a:schemeClr val="accent1">
+              <a:shade val="15000"/>
+            </a:schemeClr>
+          </a:lnRef>
+          <a:fillRef idx="1">
+            <a:schemeClr val="accent1"/>
+          </a:fillRef>
+          <a:effectRef idx="0">
+            <a:schemeClr val="accent1"/>
+          </a:effectRef>
+          <a:fontRef idx="minor">
+            <a:schemeClr val="lt1"/>
+          </a:fontRef>
+        </p:style>
+        <p:txBody>
+          <a:bodyPr rtlCol="0" anchor="ctr"/>
+          <a:lstStyle/>
+          <a:p>
+            <a:pPr algn="ctr"/>
+            <a:endParaRPr lang="ko-KR" altLang="en-US"/>
+          </a:p>
+        </p:txBody>
+      </p:sp>
+      <p:cxnSp>
+        <p:nvCxnSpPr>
+          <p:cNvPr id="45" name="직선 화살표 연결선 44">
+            <a:extLst>
+              <a:ext uri="{FF2B5EF4-FFF2-40B4-BE49-F238E27FC236}">
+                <a16:creationId xmlns:a16="http://schemas.microsoft.com/office/drawing/2014/main" id="{4BF5A996-4F9B-41BC-4EDF-0A35BD4BC33F}"/>
+              </a:ext>
+            </a:extLst>
+          </p:cNvPr>
+          <p:cNvCxnSpPr/>
+          <p:nvPr/>
+        </p:nvCxnSpPr>
+        <p:spPr>
+          <a:xfrm flipV="1">
+            <a:off x="4913745" y="1311564"/>
+            <a:ext cx="2410691" cy="3482109"/>
+          </a:xfrm>
+          <a:prstGeom prst="straightConnector1">
+            <a:avLst/>
+          </a:prstGeom>
+          <a:ln>
+            <a:tailEnd type="triangle"/>
+          </a:ln>
+        </p:spPr>
+        <p:style>
+          <a:lnRef idx="1">
+            <a:schemeClr val="accent1"/>
+          </a:lnRef>
+          <a:fillRef idx="0">
+            <a:schemeClr val="accent1"/>
+          </a:fillRef>
+          <a:effectRef idx="0">
+            <a:schemeClr val="accent1"/>
+          </a:effectRef>
+          <a:fontRef idx="minor">
+            <a:schemeClr val="tx1"/>
+          </a:fontRef>
+        </p:style>
+      </p:cxnSp>
+      <p:sp>
+        <p:nvSpPr>
+          <p:cNvPr id="46" name="직사각형 45">
+            <a:extLst>
+              <a:ext uri="{FF2B5EF4-FFF2-40B4-BE49-F238E27FC236}">
+                <a16:creationId xmlns:a16="http://schemas.microsoft.com/office/drawing/2014/main" id="{5AE2898A-2221-43C2-79B1-5DE648AE25BF}"/>
+              </a:ext>
+            </a:extLst>
+          </p:cNvPr>
+          <p:cNvSpPr/>
+          <p:nvPr/>
+        </p:nvSpPr>
+        <p:spPr>
+          <a:xfrm>
+            <a:off x="4717544" y="4262137"/>
+            <a:ext cx="663431" cy="145874"/>
+          </a:xfrm>
+          <a:prstGeom prst="rect">
+            <a:avLst/>
+          </a:prstGeom>
+          <a:noFill/>
+          <a:ln w="9525">
+            <a:solidFill>
+              <a:srgbClr val="FF0000"/>
+            </a:solidFill>
+          </a:ln>
+        </p:spPr>
+        <p:style>
+          <a:lnRef idx="2">
+            <a:schemeClr val="accent1">
+              <a:shade val="15000"/>
+            </a:schemeClr>
+          </a:lnRef>
+          <a:fillRef idx="1">
+            <a:schemeClr val="accent1"/>
+          </a:fillRef>
+          <a:effectRef idx="0">
+            <a:schemeClr val="accent1"/>
+          </a:effectRef>
+          <a:fontRef idx="minor">
+            <a:schemeClr val="lt1"/>
+          </a:fontRef>
+        </p:style>
+        <p:txBody>
+          <a:bodyPr rtlCol="0" anchor="ctr"/>
+          <a:lstStyle/>
+          <a:p>
+            <a:pPr algn="ctr"/>
+            <a:endParaRPr lang="ko-KR" altLang="en-US"/>
+          </a:p>
+        </p:txBody>
+      </p:sp>
+      <p:cxnSp>
+        <p:nvCxnSpPr>
+          <p:cNvPr id="48" name="직선 화살표 연결선 47">
+            <a:extLst>
+              <a:ext uri="{FF2B5EF4-FFF2-40B4-BE49-F238E27FC236}">
+                <a16:creationId xmlns:a16="http://schemas.microsoft.com/office/drawing/2014/main" id="{11C69DA9-5247-D7D1-40A8-9C9D4AF568DC}"/>
+              </a:ext>
+            </a:extLst>
+          </p:cNvPr>
+          <p:cNvCxnSpPr/>
+          <p:nvPr/>
+        </p:nvCxnSpPr>
+        <p:spPr>
+          <a:xfrm flipH="1" flipV="1">
+            <a:off x="3223491" y="1403927"/>
+            <a:ext cx="1510868" cy="2945639"/>
+          </a:xfrm>
+          <a:prstGeom prst="straightConnector1">
+            <a:avLst/>
+          </a:prstGeom>
+          <a:ln>
+            <a:tailEnd type="triangle"/>
+          </a:ln>
+        </p:spPr>
+        <p:style>
+          <a:lnRef idx="1">
+            <a:schemeClr val="accent1"/>
+          </a:lnRef>
+          <a:fillRef idx="0">
+            <a:schemeClr val="accent1"/>
+          </a:fillRef>
+          <a:effectRef idx="0">
+            <a:schemeClr val="accent1"/>
+          </a:effectRef>
+          <a:fontRef idx="minor">
+            <a:schemeClr val="tx1"/>
+          </a:fontRef>
+        </p:style>
+      </p:cxnSp>
+      <p:sp>
+        <p:nvSpPr>
+          <p:cNvPr id="49" name="직사각형 48">
+            <a:extLst>
+              <a:ext uri="{FF2B5EF4-FFF2-40B4-BE49-F238E27FC236}">
+                <a16:creationId xmlns:a16="http://schemas.microsoft.com/office/drawing/2014/main" id="{E6848FC0-E5C3-66FC-077D-84DE2E361146}"/>
+              </a:ext>
+            </a:extLst>
+          </p:cNvPr>
+          <p:cNvSpPr/>
+          <p:nvPr/>
+        </p:nvSpPr>
+        <p:spPr>
+          <a:xfrm>
+            <a:off x="4852122" y="5186900"/>
+            <a:ext cx="663431" cy="145874"/>
+          </a:xfrm>
+          <a:prstGeom prst="rect">
+            <a:avLst/>
+          </a:prstGeom>
+          <a:noFill/>
+          <a:ln w="9525">
+            <a:solidFill>
+              <a:srgbClr val="FF0000"/>
+            </a:solidFill>
+          </a:ln>
+        </p:spPr>
+        <p:style>
+          <a:lnRef idx="2">
+            <a:schemeClr val="accent1">
+              <a:shade val="15000"/>
+            </a:schemeClr>
+          </a:lnRef>
+          <a:fillRef idx="1">
+            <a:schemeClr val="accent1"/>
+          </a:fillRef>
+          <a:effectRef idx="0">
+            <a:schemeClr val="accent1"/>
+          </a:effectRef>
+          <a:fontRef idx="minor">
+            <a:schemeClr val="lt1"/>
+          </a:fontRef>
+        </p:style>
+        <p:txBody>
+          <a:bodyPr rtlCol="0" anchor="ctr"/>
+          <a:lstStyle/>
+          <a:p>
+            <a:pPr algn="ctr"/>
+            <a:endParaRPr lang="ko-KR" altLang="en-US"/>
+          </a:p>
+        </p:txBody>
+      </p:sp>
+      <p:cxnSp>
+        <p:nvCxnSpPr>
+          <p:cNvPr id="51" name="직선 화살표 연결선 50">
+            <a:extLst>
+              <a:ext uri="{FF2B5EF4-FFF2-40B4-BE49-F238E27FC236}">
+                <a16:creationId xmlns:a16="http://schemas.microsoft.com/office/drawing/2014/main" id="{67EE7527-843F-37D6-1C35-FB053A7238C8}"/>
+              </a:ext>
+            </a:extLst>
+          </p:cNvPr>
+          <p:cNvCxnSpPr/>
+          <p:nvPr/>
+        </p:nvCxnSpPr>
+        <p:spPr>
+          <a:xfrm flipV="1">
+            <a:off x="5380975" y="1593274"/>
+            <a:ext cx="2137425" cy="3671453"/>
+          </a:xfrm>
+          <a:prstGeom prst="straightConnector1">
+            <a:avLst/>
+          </a:prstGeom>
+          <a:ln>
+            <a:tailEnd type="triangle"/>
+          </a:ln>
+        </p:spPr>
+        <p:style>
+          <a:lnRef idx="1">
+            <a:schemeClr val="accent1"/>
+          </a:lnRef>
+          <a:fillRef idx="0">
+            <a:schemeClr val="accent1"/>
+          </a:fillRef>
+          <a:effectRef idx="0">
+            <a:schemeClr val="accent1"/>
+          </a:effectRef>
+          <a:fontRef idx="minor">
+            <a:schemeClr val="tx1"/>
+          </a:fontRef>
+        </p:style>
+      </p:cxnSp>
+      <p:sp>
+        <p:nvSpPr>
+          <p:cNvPr id="52" name="직사각형 51">
+            <a:extLst>
+              <a:ext uri="{FF2B5EF4-FFF2-40B4-BE49-F238E27FC236}">
+                <a16:creationId xmlns:a16="http://schemas.microsoft.com/office/drawing/2014/main" id="{37F001C9-4B5B-8475-8581-0DD1090C1A7A}"/>
+              </a:ext>
+            </a:extLst>
+          </p:cNvPr>
+          <p:cNvSpPr/>
+          <p:nvPr/>
+        </p:nvSpPr>
+        <p:spPr>
+          <a:xfrm>
+            <a:off x="4902921" y="4897611"/>
+            <a:ext cx="663431" cy="145874"/>
+          </a:xfrm>
+          <a:prstGeom prst="rect">
+            <a:avLst/>
+          </a:prstGeom>
+          <a:noFill/>
+          <a:ln w="9525">
+            <a:solidFill>
+              <a:srgbClr val="FF0000"/>
+            </a:solidFill>
+          </a:ln>
+        </p:spPr>
+        <p:style>
+          <a:lnRef idx="2">
+            <a:schemeClr val="accent1">
+              <a:shade val="15000"/>
+            </a:schemeClr>
+          </a:lnRef>
+          <a:fillRef idx="1">
+            <a:schemeClr val="accent1"/>
+          </a:fillRef>
+          <a:effectRef idx="0">
+            <a:schemeClr val="accent1"/>
+          </a:effectRef>
+          <a:fontRef idx="minor">
+            <a:schemeClr val="lt1"/>
+          </a:fontRef>
+        </p:style>
+        <p:txBody>
+          <a:bodyPr rtlCol="0" anchor="ctr"/>
+          <a:lstStyle/>
+          <a:p>
+            <a:pPr algn="ctr"/>
+            <a:endParaRPr lang="ko-KR" altLang="en-US"/>
+          </a:p>
+        </p:txBody>
+      </p:sp>
+      <p:cxnSp>
+        <p:nvCxnSpPr>
+          <p:cNvPr id="54" name="직선 화살표 연결선 53">
+            <a:extLst>
+              <a:ext uri="{FF2B5EF4-FFF2-40B4-BE49-F238E27FC236}">
+                <a16:creationId xmlns:a16="http://schemas.microsoft.com/office/drawing/2014/main" id="{276B41C7-933B-21E0-C127-DCF31C2A3C0D}"/>
+              </a:ext>
+            </a:extLst>
+          </p:cNvPr>
+          <p:cNvCxnSpPr/>
+          <p:nvPr/>
+        </p:nvCxnSpPr>
+        <p:spPr>
+          <a:xfrm flipV="1">
+            <a:off x="5486400" y="1514764"/>
+            <a:ext cx="4627418" cy="3278909"/>
+          </a:xfrm>
+          <a:prstGeom prst="straightConnector1">
+            <a:avLst/>
+          </a:prstGeom>
+          <a:ln>
+            <a:tailEnd type="triangle"/>
+          </a:ln>
+        </p:spPr>
+        <p:style>
+          <a:lnRef idx="1">
+            <a:schemeClr val="accent1"/>
+          </a:lnRef>
+          <a:fillRef idx="0">
+            <a:schemeClr val="accent1"/>
+          </a:fillRef>
+          <a:effectRef idx="0">
+            <a:schemeClr val="accent1"/>
+          </a:effectRef>
+          <a:fontRef idx="minor">
+            <a:schemeClr val="tx1"/>
+          </a:fontRef>
+        </p:style>
+      </p:cxnSp>
+    </p:spTree>
+    <p:extLst>
+      <p:ext uri="{BB962C8B-B14F-4D97-AF65-F5344CB8AC3E}">
+        <p14:creationId xmlns:p14="http://schemas.microsoft.com/office/powerpoint/2010/main" val="1155241369"/>
+      </p:ext>
+    </p:extLst>
+  </p:cSld>
+  <p:clrMapOvr>
+    <a:masterClrMapping/>
+  </p:clrMapOvr>
+</p:sld>
+</file>
+
+<file path=ppt/slides/slide9.xml><?xml version="1.0" encoding="utf-8"?>
+<p:sld xmlns:a="http://schemas.openxmlformats.org/drawingml/2006/main" xmlns:r="http://schemas.openxmlformats.org/officeDocument/2006/relationships" xmlns:p="http://schemas.openxmlformats.org/presentationml/2006/main">
+  <p:cSld>
+    <p:spTree>
+      <p:nvGrpSpPr>
+        <p:cNvPr id="1" name="">
+          <a:extLst>
+            <a:ext uri="{FF2B5EF4-FFF2-40B4-BE49-F238E27FC236}">
+              <a16:creationId xmlns:a16="http://schemas.microsoft.com/office/drawing/2014/main" id="{8DCEC39F-51D3-A5AA-E891-76AEE37B35F3}"/>
+            </a:ext>
+          </a:extLst>
+        </p:cNvPr>
+        <p:cNvGrpSpPr/>
+        <p:nvPr/>
+      </p:nvGrpSpPr>
+      <p:grpSpPr>
+        <a:xfrm>
+          <a:off x="0" y="0"/>
+          <a:ext cx="0" cy="0"/>
+          <a:chOff x="0" y="0"/>
+          <a:chExt cx="0" cy="0"/>
+        </a:xfrm>
+      </p:grpSpPr>
+      <p:pic>
+        <p:nvPicPr>
+          <p:cNvPr id="8" name="그림 7">
+            <a:extLst>
+              <a:ext uri="{FF2B5EF4-FFF2-40B4-BE49-F238E27FC236}">
+                <a16:creationId xmlns:a16="http://schemas.microsoft.com/office/drawing/2014/main" id="{22E051D3-DA9A-4E6C-EEE4-DB87E2D5D3CC}"/>
+              </a:ext>
+            </a:extLst>
+          </p:cNvPr>
+          <p:cNvPicPr>
+            <a:picLocks noChangeAspect="1"/>
+          </p:cNvPicPr>
+          <p:nvPr/>
+        </p:nvPicPr>
+        <p:blipFill>
+          <a:blip r:embed="rId2">
+            <a:extLst>
+              <a:ext uri="{28A0092B-C50C-407E-A947-70E740481C1C}">
+                <a14:useLocalDpi xmlns:a14="http://schemas.microsoft.com/office/drawing/2010/main" val="0"/>
+              </a:ext>
+            </a:extLst>
+          </a:blip>
+          <a:stretch>
+            <a:fillRect/>
+          </a:stretch>
+        </p:blipFill>
+        <p:spPr>
+          <a:xfrm>
+            <a:off x="452582" y="973717"/>
+            <a:ext cx="9347200" cy="5173566"/>
+          </a:xfrm>
+          <a:prstGeom prst="rect">
+            <a:avLst/>
+          </a:prstGeom>
+        </p:spPr>
+      </p:pic>
+      <p:sp>
+        <p:nvSpPr>
+          <p:cNvPr id="27" name="TextBox 26">
+            <a:extLst>
+              <a:ext uri="{FF2B5EF4-FFF2-40B4-BE49-F238E27FC236}">
+                <a16:creationId xmlns:a16="http://schemas.microsoft.com/office/drawing/2014/main" id="{47E4B71F-74D3-2840-D438-1802DB492F6D}"/>
+              </a:ext>
+            </a:extLst>
+          </p:cNvPr>
+          <p:cNvSpPr txBox="1"/>
+          <p:nvPr/>
+        </p:nvSpPr>
+        <p:spPr>
+          <a:xfrm>
+            <a:off x="5546437" y="1691102"/>
+            <a:ext cx="974436" cy="246221"/>
+          </a:xfrm>
+          <a:prstGeom prst="rect">
+            <a:avLst/>
+          </a:prstGeom>
+          <a:solidFill>
+            <a:srgbClr val="FFFF00"/>
+          </a:solidFill>
+        </p:spPr>
+        <p:txBody>
+          <a:bodyPr wrap="square" rtlCol="0">
+            <a:spAutoFit/>
+          </a:bodyPr>
+          <a:lstStyle/>
+          <a:p>
+            <a:r>
+              <a:rPr lang="en-US" altLang="ko-KR" sz="1000" dirty="0"/>
+              <a:t>Excel </a:t>
+            </a:r>
+            <a:r>
+              <a:rPr lang="ko-KR" altLang="en-US" sz="1000" dirty="0"/>
+              <a:t>다운</a:t>
+            </a:r>
+          </a:p>
+        </p:txBody>
+      </p:sp>
+      <p:sp>
+        <p:nvSpPr>
+          <p:cNvPr id="9" name="TextBox 8">
+            <a:extLst>
+              <a:ext uri="{FF2B5EF4-FFF2-40B4-BE49-F238E27FC236}">
+                <a16:creationId xmlns:a16="http://schemas.microsoft.com/office/drawing/2014/main" id="{C5A78C21-1706-F38B-611A-E75861C0098D}"/>
+              </a:ext>
+            </a:extLst>
+          </p:cNvPr>
+          <p:cNvSpPr txBox="1"/>
+          <p:nvPr/>
+        </p:nvSpPr>
+        <p:spPr>
+          <a:xfrm>
+            <a:off x="2992582" y="1691103"/>
+            <a:ext cx="1302327" cy="246221"/>
+          </a:xfrm>
+          <a:prstGeom prst="rect">
+            <a:avLst/>
+          </a:prstGeom>
+          <a:solidFill>
+            <a:srgbClr val="FFFF00"/>
+          </a:solidFill>
+        </p:spPr>
+        <p:txBody>
+          <a:bodyPr wrap="square" rtlCol="0">
+            <a:spAutoFit/>
+          </a:bodyPr>
+          <a:lstStyle/>
+          <a:p>
+            <a:r>
+              <a:rPr lang="ko-KR" altLang="en-US" sz="1000" dirty="0"/>
+              <a:t>발주처별 </a:t>
+            </a:r>
+            <a:r>
+              <a:rPr lang="ko-KR" altLang="en-US" sz="1000" dirty="0" err="1"/>
+              <a:t>드롭박스</a:t>
+            </a:r>
+            <a:endParaRPr lang="ko-KR" altLang="en-US" sz="1000" dirty="0"/>
+          </a:p>
+        </p:txBody>
+      </p:sp>
+      <p:sp>
+        <p:nvSpPr>
+          <p:cNvPr id="10" name="TextBox 9">
+            <a:extLst>
+              <a:ext uri="{FF2B5EF4-FFF2-40B4-BE49-F238E27FC236}">
+                <a16:creationId xmlns:a16="http://schemas.microsoft.com/office/drawing/2014/main" id="{9771BD53-991E-6E8F-53FB-11033FD68561}"/>
+              </a:ext>
+            </a:extLst>
+          </p:cNvPr>
+          <p:cNvSpPr txBox="1"/>
+          <p:nvPr/>
+        </p:nvSpPr>
+        <p:spPr>
+          <a:xfrm>
+            <a:off x="4433455" y="1691101"/>
+            <a:ext cx="974436" cy="246221"/>
+          </a:xfrm>
+          <a:prstGeom prst="rect">
+            <a:avLst/>
+          </a:prstGeom>
+          <a:solidFill>
+            <a:srgbClr val="FFFF00"/>
+          </a:solidFill>
+        </p:spPr>
+        <p:txBody>
+          <a:bodyPr wrap="square" rtlCol="0">
+            <a:spAutoFit/>
+          </a:bodyPr>
+          <a:lstStyle/>
+          <a:p>
+            <a:r>
+              <a:rPr lang="ko-KR" altLang="en-US" sz="1000" dirty="0"/>
+              <a:t>발주서보기</a:t>
+            </a:r>
+          </a:p>
+        </p:txBody>
+      </p:sp>
+      <p:cxnSp>
+        <p:nvCxnSpPr>
+          <p:cNvPr id="12" name="직선 화살표 연결선 11">
+            <a:extLst>
+              <a:ext uri="{FF2B5EF4-FFF2-40B4-BE49-F238E27FC236}">
+                <a16:creationId xmlns:a16="http://schemas.microsoft.com/office/drawing/2014/main" id="{09F347AB-1CFA-0A51-FF01-EDFCC98DCF8A}"/>
+              </a:ext>
+            </a:extLst>
+          </p:cNvPr>
+          <p:cNvCxnSpPr>
+            <a:stCxn id="10" idx="0"/>
+          </p:cNvCxnSpPr>
+          <p:nvPr/>
+        </p:nvCxnSpPr>
+        <p:spPr>
+          <a:xfrm flipV="1">
+            <a:off x="4920673" y="572655"/>
+            <a:ext cx="759691" cy="1118446"/>
+          </a:xfrm>
+          <a:prstGeom prst="straightConnector1">
+            <a:avLst/>
+          </a:prstGeom>
+          <a:ln>
+            <a:tailEnd type="triangle"/>
+          </a:ln>
+        </p:spPr>
+        <p:style>
+          <a:lnRef idx="1">
+            <a:schemeClr val="accent1"/>
+          </a:lnRef>
+          <a:fillRef idx="0">
+            <a:schemeClr val="accent1"/>
+          </a:fillRef>
+          <a:effectRef idx="0">
+            <a:schemeClr val="accent1"/>
+          </a:effectRef>
+          <a:fontRef idx="minor">
+            <a:schemeClr val="tx1"/>
+          </a:fontRef>
+        </p:style>
+      </p:cxnSp>
+      <p:sp>
+        <p:nvSpPr>
+          <p:cNvPr id="13" name="TextBox 12">
+            <a:extLst>
+              <a:ext uri="{FF2B5EF4-FFF2-40B4-BE49-F238E27FC236}">
+                <a16:creationId xmlns:a16="http://schemas.microsoft.com/office/drawing/2014/main" id="{BE10DCF8-4ED0-FCAD-2AD7-54C720BC47D7}"/>
+              </a:ext>
+            </a:extLst>
+          </p:cNvPr>
+          <p:cNvSpPr txBox="1"/>
+          <p:nvPr/>
+        </p:nvSpPr>
+        <p:spPr>
+          <a:xfrm>
+            <a:off x="5763491" y="403855"/>
+            <a:ext cx="2484581" cy="246221"/>
+          </a:xfrm>
+          <a:prstGeom prst="rect">
+            <a:avLst/>
+          </a:prstGeom>
+          <a:solidFill>
+            <a:srgbClr val="FFFF00"/>
+          </a:solidFill>
+        </p:spPr>
+        <p:txBody>
+          <a:bodyPr wrap="square" rtlCol="0">
+            <a:spAutoFit/>
+          </a:bodyPr>
+          <a:lstStyle/>
+          <a:p>
+            <a:r>
+              <a:rPr lang="en-US" altLang="ko-KR" sz="1000" dirty="0" err="1"/>
+              <a:t>Tkshcool.vercel.app</a:t>
+            </a:r>
+            <a:r>
+              <a:rPr lang="en-US" altLang="ko-KR" sz="1000" dirty="0"/>
+              <a:t>/</a:t>
+            </a:r>
+            <a:r>
+              <a:rPr lang="en-US" altLang="ko-KR" sz="1000" dirty="0" err="1"/>
+              <a:t>scaedule</a:t>
+            </a:r>
+            <a:r>
+              <a:rPr lang="en-US" altLang="ko-KR" sz="1000" dirty="0"/>
+              <a:t> </a:t>
+            </a:r>
+            <a:r>
+              <a:rPr lang="ko-KR" altLang="en-US" sz="1000" dirty="0"/>
+              <a:t>링크</a:t>
+            </a:r>
+          </a:p>
+        </p:txBody>
+      </p:sp>
+      <p:cxnSp>
+        <p:nvCxnSpPr>
+          <p:cNvPr id="15" name="직선 화살표 연결선 14">
+            <a:extLst>
+              <a:ext uri="{FF2B5EF4-FFF2-40B4-BE49-F238E27FC236}">
+                <a16:creationId xmlns:a16="http://schemas.microsoft.com/office/drawing/2014/main" id="{76A76B1A-F195-8C09-6D61-E6E4548F8BC6}"/>
+              </a:ext>
+            </a:extLst>
+          </p:cNvPr>
+          <p:cNvCxnSpPr/>
+          <p:nvPr/>
+        </p:nvCxnSpPr>
+        <p:spPr>
+          <a:xfrm flipH="1">
+            <a:off x="2992582" y="1937322"/>
+            <a:ext cx="517236" cy="214751"/>
+          </a:xfrm>
+          <a:prstGeom prst="straightConnector1">
+            <a:avLst/>
+          </a:prstGeom>
+          <a:ln>
+            <a:tailEnd type="triangle"/>
+          </a:ln>
+        </p:spPr>
+        <p:style>
+          <a:lnRef idx="1">
+            <a:schemeClr val="accent1"/>
+          </a:lnRef>
+          <a:fillRef idx="0">
+            <a:schemeClr val="accent1"/>
+          </a:fillRef>
+          <a:effectRef idx="0">
+            <a:schemeClr val="accent1"/>
+          </a:effectRef>
+          <a:fontRef idx="minor">
+            <a:schemeClr val="tx1"/>
+          </a:fontRef>
+        </p:style>
+      </p:cxnSp>
+    </p:spTree>
+    <p:extLst>
+      <p:ext uri="{BB962C8B-B14F-4D97-AF65-F5344CB8AC3E}">
+        <p14:creationId xmlns:p14="http://schemas.microsoft.com/office/powerpoint/2010/main" val="490940881"/>
+      </p:ext>
+    </p:extLst>
+  </p:cSld>
+  <p:clrMapOvr>
+    <a:masterClrMapping/>
+  </p:clrMapOvr>
+</p:sld>
+</file>
+
 <file path=ppt/theme/theme1.xml><?xml version="1.0" encoding="utf-8"?>
 <a:theme xmlns:a="http://schemas.openxmlformats.org/drawingml/2006/main" name="Office 테마">
   <a:themeElements>
